--- a/ppt/Smarty_2.pptx
+++ b/ppt/Smarty_2.pptx
@@ -5,7 +5,7 @@
     <p:sldMasterId id="2147483648" r:id="rId1"/>
   </p:sldMasterIdLst>
   <p:notesMasterIdLst>
-    <p:notesMasterId r:id="rId22"/>
+    <p:notesMasterId r:id="rId24"/>
   </p:notesMasterIdLst>
   <p:sldIdLst>
     <p:sldId id="256" r:id="rId2"/>
@@ -25,9 +25,11 @@
     <p:sldId id="273" r:id="rId16"/>
     <p:sldId id="275" r:id="rId17"/>
     <p:sldId id="276" r:id="rId18"/>
-    <p:sldId id="277" r:id="rId19"/>
-    <p:sldId id="278" r:id="rId20"/>
-    <p:sldId id="264" r:id="rId21"/>
+    <p:sldId id="283" r:id="rId19"/>
+    <p:sldId id="284" r:id="rId20"/>
+    <p:sldId id="277" r:id="rId21"/>
+    <p:sldId id="278" r:id="rId22"/>
+    <p:sldId id="264" r:id="rId23"/>
   </p:sldIdLst>
   <p:sldSz cx="9144000" cy="6858000" type="screen4x3"/>
   <p:notesSz cx="6858000" cy="9144000"/>
@@ -5570,7 +5572,7 @@
       </p:sp>
       <p:sp>
         <p:nvSpPr>
-          <p:cNvPr id="3" name="Content Placeholder 2"/>
+          <p:cNvPr id="5" name="内容占位符 4"/>
           <p:cNvSpPr>
             <a:spLocks noGrp="1"/>
           </p:cNvSpPr>
@@ -5578,574 +5580,58 @@
             <p:ph idx="1"/>
           </p:nvPr>
         </p:nvSpPr>
-        <p:spPr>
-          <a:xfrm>
-            <a:off x="457200" y="1600200"/>
-            <a:ext cx="8229600" cy="1156061"/>
-          </a:xfrm>
-        </p:spPr>
-        <p:txBody>
-          <a:bodyPr>
-            <a:normAutofit fontScale="85000" lnSpcReduction="10000"/>
-          </a:bodyPr>
+        <p:spPr/>
+        <p:txBody>
+          <a:bodyPr/>
           <a:lstStyle/>
           <a:p>
-            <a:pPr>
-              <a:spcAft>
-                <a:spcPts val="600"/>
-              </a:spcAft>
-            </a:pPr>
-            <a:r>
-              <a:rPr lang="en-US" sz="1600" dirty="0" smtClean="0"/>
-              <a:t>Smarty </a:t>
-            </a:r>
-            <a:r>
-              <a:rPr lang="en-US" sz="1600" dirty="0" err="1" smtClean="0"/>
-              <a:t>自带一些内建函数,内建函数是模板语言的一部分,用户不能创建名称和内建函数一样的自定义</a:t>
-            </a:r>
-            <a:r>
-              <a:rPr lang="en-US" sz="1600" dirty="0" smtClean="0"/>
-              <a:t> </a:t>
-            </a:r>
-            <a:r>
-              <a:rPr lang="en-US" sz="1600" dirty="0" err="1" smtClean="0"/>
-              <a:t>函数,也不能修改内建函数</a:t>
-            </a:r>
-            <a:r>
-              <a:rPr lang="en-US" sz="1600" dirty="0" smtClean="0"/>
+            <a:r>
+              <a:rPr lang="zh-CN" altLang="en-US" dirty="0" smtClean="0"/>
+              <a:t>可</a:t>
+            </a:r>
+            <a:r>
+              <a:rPr lang="zh-CN" altLang="en-US" dirty="0" smtClean="0"/>
+              <a:t>以对一个变量添加任意数量的</a:t>
+            </a:r>
+            <a:r>
+              <a:rPr lang="en-US" altLang="zh-CN" dirty="0" smtClean="0"/>
+              <a:t>modifiers</a:t>
+            </a:r>
+            <a:r>
+              <a:rPr lang="zh-CN" altLang="en-US" dirty="0" smtClean="0"/>
               <a:t>。</a:t>
             </a:r>
-          </a:p>
-          <a:p>
-            <a:pPr>
-              <a:spcAft>
-                <a:spcPts val="600"/>
-              </a:spcAft>
-            </a:pPr>
-            <a:r>
-              <a:rPr lang="en-US" sz="1600" dirty="0" smtClean="0"/>
-              <a:t>capture </a:t>
-            </a:r>
-            <a:r>
-              <a:rPr lang="en-US" sz="1600" dirty="0" err="1" smtClean="0"/>
-              <a:t>函数的作用是捕获模板输出的数据并将其存储到一个变量里,而不是把它们输出到页面</a:t>
-            </a:r>
-            <a:r>
-              <a:rPr lang="en-US" sz="1600" dirty="0" smtClean="0"/>
-              <a:t>. 任何在 {</a:t>
-            </a:r>
-            <a:r>
-              <a:rPr lang="en-US" sz="1600" dirty="0" err="1" smtClean="0"/>
-              <a:t>capturename</a:t>
-            </a:r>
-            <a:r>
-              <a:rPr lang="en-US" sz="1600" dirty="0" smtClean="0"/>
-              <a:t>="foo"}和{/capture}</a:t>
-            </a:r>
-            <a:r>
-              <a:rPr lang="en-US" sz="1600" dirty="0" err="1" smtClean="0"/>
-              <a:t>之间的数据将被存储到变量$foo中,该变量由name属性指</a:t>
-            </a:r>
-            <a:r>
-              <a:rPr lang="en-US" sz="1600" dirty="0" smtClean="0"/>
-              <a:t> 定.</a:t>
-            </a:r>
-            <a:endParaRPr lang="en-US" altLang="zh-CN" sz="1600" dirty="0" smtClean="0"/>
-          </a:p>
-          <a:p>
-            <a:pPr>
-              <a:spcAft>
-                <a:spcPts val="600"/>
-              </a:spcAft>
-            </a:pPr>
-            <a:endParaRPr lang="en-US" altLang="zh-CN" sz="1600" dirty="0" smtClean="0"/>
-          </a:p>
-        </p:txBody>
-      </p:sp>
-      <p:sp>
-        <p:nvSpPr>
-          <p:cNvPr id="4" name="TextBox 3"/>
-          <p:cNvSpPr txBox="1"/>
-          <p:nvPr/>
-        </p:nvSpPr>
-        <p:spPr>
-          <a:xfrm>
-            <a:off x="963711" y="2909386"/>
-            <a:ext cx="8051944" cy="3908763"/>
-          </a:xfrm>
-          <a:prstGeom prst="rect">
-            <a:avLst/>
-          </a:prstGeom>
-          <a:noFill/>
-        </p:spPr>
-        <p:txBody>
-          <a:bodyPr wrap="square" rtlCol="0">
-            <a:spAutoFit/>
-          </a:bodyPr>
-          <a:lstStyle/>
-          <a:p>
-            <a:pPr>
-              <a:spcAft>
-                <a:spcPts val="600"/>
-              </a:spcAft>
-            </a:pPr>
-            <a:r>
-              <a:rPr lang="en-US" dirty="0" smtClean="0"/>
-              <a:t>$smarty-&gt;</a:t>
-            </a:r>
-            <a:r>
-              <a:rPr lang="en-US" dirty="0" err="1" smtClean="0"/>
-              <a:t>assign('articleTitle</a:t>
-            </a:r>
-            <a:r>
-              <a:rPr lang="en-US" dirty="0" smtClean="0"/>
-              <a:t>', 'Smokers are Productive, but Death Cuts Efficiency.');</a:t>
-            </a:r>
-          </a:p>
-          <a:p>
-            <a:pPr>
-              <a:spcAft>
-                <a:spcPts val="600"/>
-              </a:spcAft>
-            </a:pPr>
-            <a:endParaRPr lang="en-US" dirty="0" smtClean="0"/>
-          </a:p>
-          <a:p>
-            <a:pPr>
-              <a:spcAft>
-                <a:spcPts val="600"/>
-              </a:spcAft>
-            </a:pPr>
-            <a:r>
-              <a:rPr lang="en-US" dirty="0" smtClean="0"/>
-              <a:t>{$</a:t>
-            </a:r>
-            <a:r>
-              <a:rPr lang="en-US" dirty="0" err="1" smtClean="0"/>
-              <a:t>articleTitle|upper|spacify</a:t>
-            </a:r>
-            <a:r>
-              <a:rPr lang="en-US" dirty="0" smtClean="0"/>
-              <a:t>}</a:t>
-            </a:r>
-          </a:p>
-          <a:p>
-            <a:pPr>
-              <a:spcAft>
-                <a:spcPts val="600"/>
-              </a:spcAft>
-            </a:pPr>
-            <a:r>
-              <a:rPr lang="en-US" dirty="0" smtClean="0"/>
-              <a:t>{$</a:t>
-            </a:r>
-            <a:r>
-              <a:rPr lang="en-US" dirty="0" err="1" smtClean="0"/>
-              <a:t>articleTitle|lower|spacify|truncate</a:t>
-            </a:r>
-            <a:r>
-              <a:rPr lang="en-US" dirty="0" smtClean="0"/>
-              <a:t>}</a:t>
-            </a:r>
-          </a:p>
-          <a:p>
-            <a:pPr>
-              <a:spcAft>
-                <a:spcPts val="600"/>
-              </a:spcAft>
-            </a:pPr>
-            <a:r>
-              <a:rPr lang="en-US" dirty="0" smtClean="0"/>
-              <a:t>{$articleTitle|lower|truncate:30|spacify}</a:t>
-            </a:r>
-          </a:p>
-          <a:p>
-            <a:pPr>
-              <a:spcAft>
-                <a:spcPts val="600"/>
-              </a:spcAft>
-            </a:pPr>
-            <a:r>
-              <a:rPr lang="en-US" dirty="0" smtClean="0"/>
-              <a:t>{$articleTitle|lower|spacify|truncate:30:". . ."}</a:t>
-            </a:r>
-          </a:p>
-          <a:p>
-            <a:pPr>
-              <a:spcAft>
-                <a:spcPts val="600"/>
-              </a:spcAft>
-            </a:pPr>
+            <a:endParaRPr lang="en-US" altLang="zh-CN" dirty="0" smtClean="0"/>
+          </a:p>
+          <a:p>
             <a:r>
               <a:rPr lang="zh-CN" altLang="en-US" dirty="0" smtClean="0"/>
-              <a:t>输出结果</a:t>
-            </a:r>
+              <a:t>它</a:t>
+            </a:r>
+            <a:r>
+              <a:rPr lang="zh-CN" altLang="en-US" dirty="0" smtClean="0"/>
+              <a:t>们自左向右的结合。</a:t>
+            </a:r>
+            <a:endParaRPr lang="en-US" altLang="zh-CN" dirty="0" smtClean="0"/>
+          </a:p>
+          <a:p>
+            <a:r>
+              <a:rPr lang="zh-CN" altLang="en-US" dirty="0" smtClean="0"/>
+              <a:t>例</a:t>
+            </a:r>
+            <a:r>
+              <a:rPr lang="zh-CN" altLang="en-US" dirty="0" smtClean="0"/>
+              <a:t>如：</a:t>
+            </a:r>
+            <a:endParaRPr lang="en-US" altLang="zh-CN" dirty="0" smtClean="0"/>
+          </a:p>
+          <a:p>
+            <a:pPr lvl="1"/>
             <a:r>
               <a:rPr lang="en-US" altLang="zh-CN" dirty="0" smtClean="0"/>
-              <a:t>:</a:t>
-            </a:r>
-            <a:endParaRPr lang="en-US" dirty="0" smtClean="0"/>
-          </a:p>
-          <a:p>
-            <a:pPr>
-              <a:spcAft>
-                <a:spcPts val="600"/>
-              </a:spcAft>
-            </a:pPr>
-            <a:r>
-              <a:rPr lang="en-US" dirty="0" smtClean="0"/>
-              <a:t>SMOKERSAREPRODUCTIVE,BUTDEATHCUTSEFFICIENCY.</a:t>
-            </a:r>
-          </a:p>
-          <a:p>
-            <a:pPr>
-              <a:spcAft>
-                <a:spcPts val="600"/>
-              </a:spcAft>
-            </a:pPr>
-            <a:r>
-              <a:rPr lang="en-US" dirty="0" err="1" smtClean="0"/>
-              <a:t>s</a:t>
-            </a:r>
-            <a:r>
-              <a:rPr lang="en-US" dirty="0" smtClean="0"/>
-              <a:t> </a:t>
-            </a:r>
-            <a:r>
-              <a:rPr lang="en-US" dirty="0" err="1" smtClean="0"/>
-              <a:t>m</a:t>
-            </a:r>
-            <a:r>
-              <a:rPr lang="en-US" dirty="0" smtClean="0"/>
-              <a:t> </a:t>
-            </a:r>
-            <a:r>
-              <a:rPr lang="en-US" dirty="0" err="1" smtClean="0"/>
-              <a:t>o</a:t>
-            </a:r>
-            <a:r>
-              <a:rPr lang="en-US" dirty="0" smtClean="0"/>
-              <a:t> </a:t>
-            </a:r>
-            <a:r>
-              <a:rPr lang="en-US" dirty="0" err="1" smtClean="0"/>
-              <a:t>k</a:t>
-            </a:r>
-            <a:r>
-              <a:rPr lang="en-US" dirty="0" smtClean="0"/>
-              <a:t> </a:t>
-            </a:r>
-            <a:r>
-              <a:rPr lang="en-US" dirty="0" err="1" smtClean="0"/>
-              <a:t>e</a:t>
-            </a:r>
-            <a:r>
-              <a:rPr lang="en-US" dirty="0" smtClean="0"/>
-              <a:t> </a:t>
-            </a:r>
-            <a:r>
-              <a:rPr lang="en-US" dirty="0" err="1" smtClean="0"/>
-              <a:t>r</a:t>
-            </a:r>
-            <a:r>
-              <a:rPr lang="en-US" dirty="0" smtClean="0"/>
-              <a:t> </a:t>
-            </a:r>
-            <a:r>
-              <a:rPr lang="en-US" dirty="0" err="1" smtClean="0"/>
-              <a:t>s</a:t>
-            </a:r>
-            <a:r>
-              <a:rPr lang="en-US" dirty="0" smtClean="0"/>
-              <a:t> a </a:t>
-            </a:r>
-            <a:r>
-              <a:rPr lang="en-US" dirty="0" err="1" smtClean="0"/>
-              <a:t>r</a:t>
-            </a:r>
-            <a:r>
-              <a:rPr lang="en-US" dirty="0" smtClean="0"/>
-              <a:t> </a:t>
-            </a:r>
-            <a:r>
-              <a:rPr lang="en-US" dirty="0" err="1" smtClean="0"/>
-              <a:t>e</a:t>
-            </a:r>
-            <a:r>
-              <a:rPr lang="en-US" dirty="0" smtClean="0"/>
-              <a:t> </a:t>
-            </a:r>
-            <a:r>
-              <a:rPr lang="en-US" dirty="0" err="1" smtClean="0"/>
-              <a:t>p</a:t>
-            </a:r>
-            <a:r>
-              <a:rPr lang="en-US" dirty="0" smtClean="0"/>
-              <a:t> </a:t>
-            </a:r>
-            <a:r>
-              <a:rPr lang="en-US" dirty="0" err="1" smtClean="0"/>
-              <a:t>r</a:t>
-            </a:r>
-            <a:r>
-              <a:rPr lang="en-US" dirty="0" smtClean="0"/>
-              <a:t> </a:t>
-            </a:r>
-            <a:r>
-              <a:rPr lang="en-US" dirty="0" err="1" smtClean="0"/>
-              <a:t>o</a:t>
-            </a:r>
-            <a:r>
-              <a:rPr lang="en-US" dirty="0" smtClean="0"/>
-              <a:t> </a:t>
-            </a:r>
-            <a:r>
-              <a:rPr lang="en-US" dirty="0" err="1" smtClean="0"/>
-              <a:t>d</a:t>
-            </a:r>
-            <a:r>
-              <a:rPr lang="en-US" dirty="0" smtClean="0"/>
-              <a:t> </a:t>
-            </a:r>
-            <a:r>
-              <a:rPr lang="en-US" dirty="0" err="1" smtClean="0"/>
-              <a:t>u</a:t>
-            </a:r>
-            <a:r>
-              <a:rPr lang="en-US" dirty="0" smtClean="0"/>
-              <a:t> </a:t>
-            </a:r>
-            <a:r>
-              <a:rPr lang="en-US" dirty="0" err="1" smtClean="0"/>
-              <a:t>c</a:t>
-            </a:r>
-            <a:r>
-              <a:rPr lang="en-US" dirty="0" smtClean="0"/>
-              <a:t> </a:t>
-            </a:r>
-            <a:r>
-              <a:rPr lang="en-US" dirty="0" err="1" smtClean="0"/>
-              <a:t>t</a:t>
-            </a:r>
-            <a:r>
-              <a:rPr lang="en-US" dirty="0" smtClean="0"/>
-              <a:t> </a:t>
-            </a:r>
-            <a:r>
-              <a:rPr lang="en-US" dirty="0" err="1" smtClean="0"/>
-              <a:t>i</a:t>
-            </a:r>
-            <a:r>
-              <a:rPr lang="en-US" dirty="0" smtClean="0"/>
-              <a:t> </a:t>
-            </a:r>
-            <a:r>
-              <a:rPr lang="en-US" dirty="0" err="1" smtClean="0"/>
-              <a:t>v</a:t>
-            </a:r>
-            <a:r>
-              <a:rPr lang="en-US" dirty="0" smtClean="0"/>
-              <a:t> </a:t>
-            </a:r>
-            <a:r>
-              <a:rPr lang="en-US" dirty="0" err="1" smtClean="0"/>
-              <a:t>e</a:t>
-            </a:r>
-            <a:r>
-              <a:rPr lang="en-US" dirty="0" smtClean="0"/>
-              <a:t> , </a:t>
-            </a:r>
-            <a:r>
-              <a:rPr lang="en-US" dirty="0" err="1" smtClean="0"/>
-              <a:t>b</a:t>
-            </a:r>
-            <a:r>
-              <a:rPr lang="en-US" dirty="0" smtClean="0"/>
-              <a:t> </a:t>
-            </a:r>
-            <a:r>
-              <a:rPr lang="en-US" dirty="0" err="1" smtClean="0"/>
-              <a:t>u</a:t>
-            </a:r>
-            <a:r>
-              <a:rPr lang="en-US" dirty="0" smtClean="0"/>
-              <a:t> </a:t>
-            </a:r>
-            <a:r>
-              <a:rPr lang="en-US" dirty="0" err="1" smtClean="0"/>
-              <a:t>t</a:t>
-            </a:r>
-            <a:r>
-              <a:rPr lang="en-US" dirty="0" smtClean="0"/>
-              <a:t> </a:t>
-            </a:r>
-            <a:r>
-              <a:rPr lang="en-US" dirty="0" err="1" smtClean="0"/>
-              <a:t>d</a:t>
-            </a:r>
-            <a:r>
-              <a:rPr lang="en-US" dirty="0" smtClean="0"/>
-              <a:t> </a:t>
-            </a:r>
-            <a:r>
-              <a:rPr lang="en-US" dirty="0" err="1" smtClean="0"/>
-              <a:t>e</a:t>
-            </a:r>
-            <a:r>
-              <a:rPr lang="en-US" dirty="0" smtClean="0"/>
-              <a:t> a </a:t>
-            </a:r>
-            <a:r>
-              <a:rPr lang="en-US" dirty="0" err="1" smtClean="0"/>
-              <a:t>t</a:t>
-            </a:r>
-            <a:r>
-              <a:rPr lang="en-US" dirty="0" smtClean="0"/>
-              <a:t> </a:t>
-            </a:r>
-            <a:r>
-              <a:rPr lang="en-US" dirty="0" err="1" smtClean="0"/>
-              <a:t>h</a:t>
-            </a:r>
-            <a:r>
-              <a:rPr lang="en-US" dirty="0" smtClean="0"/>
-              <a:t> </a:t>
-            </a:r>
-            <a:r>
-              <a:rPr lang="en-US" dirty="0" err="1" smtClean="0"/>
-              <a:t>c</a:t>
-            </a:r>
-            <a:r>
-              <a:rPr lang="en-US" dirty="0" smtClean="0"/>
-              <a:t> </a:t>
-            </a:r>
-            <a:r>
-              <a:rPr lang="en-US" dirty="0" err="1" smtClean="0"/>
-              <a:t>u</a:t>
-            </a:r>
-            <a:r>
-              <a:rPr lang="en-US" dirty="0" smtClean="0"/>
-              <a:t> </a:t>
-            </a:r>
-            <a:r>
-              <a:rPr lang="en-US" dirty="0" err="1" smtClean="0"/>
-              <a:t>t</a:t>
-            </a:r>
-            <a:r>
-              <a:rPr lang="en-US" dirty="0" smtClean="0"/>
-              <a:t> </a:t>
-            </a:r>
-            <a:r>
-              <a:rPr lang="en-US" dirty="0" err="1" smtClean="0"/>
-              <a:t>s</a:t>
-            </a:r>
-            <a:r>
-              <a:rPr lang="en-US" dirty="0" smtClean="0"/>
-              <a:t>...</a:t>
-            </a:r>
-          </a:p>
-          <a:p>
-            <a:pPr>
-              <a:spcAft>
-                <a:spcPts val="600"/>
-              </a:spcAft>
-            </a:pPr>
-            <a:r>
-              <a:rPr lang="en-US" dirty="0" err="1" smtClean="0"/>
-              <a:t>smokersareproductive,but</a:t>
-            </a:r>
-            <a:r>
-              <a:rPr lang="en-US" dirty="0" smtClean="0"/>
-              <a:t>...</a:t>
-            </a:r>
-          </a:p>
-          <a:p>
-            <a:pPr>
-              <a:spcAft>
-                <a:spcPts val="600"/>
-              </a:spcAft>
-            </a:pPr>
-            <a:r>
-              <a:rPr lang="en-US" dirty="0" err="1" smtClean="0"/>
-              <a:t>s</a:t>
-            </a:r>
-            <a:r>
-              <a:rPr lang="en-US" dirty="0" smtClean="0"/>
-              <a:t> </a:t>
-            </a:r>
-            <a:r>
-              <a:rPr lang="en-US" dirty="0" err="1" smtClean="0"/>
-              <a:t>m</a:t>
-            </a:r>
-            <a:r>
-              <a:rPr lang="en-US" dirty="0" smtClean="0"/>
-              <a:t> </a:t>
-            </a:r>
-            <a:r>
-              <a:rPr lang="en-US" dirty="0" err="1" smtClean="0"/>
-              <a:t>o</a:t>
-            </a:r>
-            <a:r>
-              <a:rPr lang="en-US" dirty="0" smtClean="0"/>
-              <a:t> </a:t>
-            </a:r>
-            <a:r>
-              <a:rPr lang="en-US" dirty="0" err="1" smtClean="0"/>
-              <a:t>k</a:t>
-            </a:r>
-            <a:r>
-              <a:rPr lang="en-US" dirty="0" smtClean="0"/>
-              <a:t> </a:t>
-            </a:r>
-            <a:r>
-              <a:rPr lang="en-US" dirty="0" err="1" smtClean="0"/>
-              <a:t>e</a:t>
-            </a:r>
-            <a:r>
-              <a:rPr lang="en-US" dirty="0" smtClean="0"/>
-              <a:t> </a:t>
-            </a:r>
-            <a:r>
-              <a:rPr lang="en-US" dirty="0" err="1" smtClean="0"/>
-              <a:t>r</a:t>
-            </a:r>
-            <a:r>
-              <a:rPr lang="en-US" dirty="0" smtClean="0"/>
-              <a:t> </a:t>
-            </a:r>
-            <a:r>
-              <a:rPr lang="en-US" dirty="0" err="1" smtClean="0"/>
-              <a:t>s</a:t>
-            </a:r>
-            <a:r>
-              <a:rPr lang="en-US" dirty="0" smtClean="0"/>
-              <a:t> a </a:t>
-            </a:r>
-            <a:r>
-              <a:rPr lang="en-US" dirty="0" err="1" smtClean="0"/>
-              <a:t>r</a:t>
-            </a:r>
-            <a:r>
-              <a:rPr lang="en-US" dirty="0" smtClean="0"/>
-              <a:t> </a:t>
-            </a:r>
-            <a:r>
-              <a:rPr lang="en-US" dirty="0" err="1" smtClean="0"/>
-              <a:t>e</a:t>
-            </a:r>
-            <a:r>
-              <a:rPr lang="en-US" dirty="0" smtClean="0"/>
-              <a:t> </a:t>
-            </a:r>
-            <a:r>
-              <a:rPr lang="en-US" dirty="0" err="1" smtClean="0"/>
-              <a:t>p</a:t>
-            </a:r>
-            <a:r>
-              <a:rPr lang="en-US" dirty="0" smtClean="0"/>
-              <a:t>. . .</a:t>
-            </a:r>
-            <a:endParaRPr lang="en-US" dirty="0"/>
+              <a:t>{$article|upper|truncate:30:’…’}</a:t>
+            </a:r>
+            <a:endParaRPr lang="zh-CN" altLang="en-US" dirty="0"/>
           </a:p>
         </p:txBody>
       </p:sp>
@@ -6200,7 +5686,11 @@
           <a:p>
             <a:r>
               <a:rPr lang="en-US" dirty="0" smtClean="0"/>
-              <a:t>Built-in Functions (内建函数)</a:t>
+              <a:t>Built-in Functions (</a:t>
+            </a:r>
+            <a:r>
+              <a:rPr lang="en-US" dirty="0" smtClean="0"/>
+              <a:t>内建函数1)</a:t>
             </a:r>
             <a:endParaRPr lang="en-US" altLang="zh-CN" dirty="0" smtClean="0">
               <a:cs typeface=""/>
@@ -6302,18 +5792,34 @@
               <a:t> </a:t>
             </a:r>
             <a:r>
-              <a:rPr lang="en-US" altLang="zh-CN" sz="1882" dirty="0" err="1" smtClean="0"/>
+              <a:rPr lang="en-US" altLang="zh-CN" sz="1882" b="1" dirty="0" err="1" smtClean="0">
+                <a:solidFill>
+                  <a:srgbClr val="FF0000"/>
+                </a:solidFill>
+              </a:rPr>
               <a:t>foreach</a:t>
             </a:r>
             <a:r>
-              <a:rPr lang="en-US" altLang="zh-CN" sz="1882" dirty="0" smtClean="0"/>
+              <a:rPr lang="en-US" altLang="zh-CN" sz="1882" b="1" dirty="0" smtClean="0">
+                <a:solidFill>
+                  <a:srgbClr val="FF0000"/>
+                </a:solidFill>
+              </a:rPr>
               <a:t>, </a:t>
             </a:r>
             <a:r>
-              <a:rPr lang="en-US" altLang="zh-CN" sz="1882" dirty="0" err="1" smtClean="0"/>
+              <a:rPr lang="en-US" altLang="zh-CN" sz="1882" b="1" dirty="0" err="1" smtClean="0">
+                <a:solidFill>
+                  <a:srgbClr val="FF0000"/>
+                </a:solidFill>
+              </a:rPr>
               <a:t>foreachelse</a:t>
             </a:r>
-            <a:endParaRPr lang="en-US" altLang="zh-CN" sz="1882" dirty="0" smtClean="0"/>
+            <a:endParaRPr lang="en-US" altLang="zh-CN" sz="1882" b="1" dirty="0" smtClean="0">
+              <a:solidFill>
+                <a:srgbClr val="FF0000"/>
+              </a:solidFill>
+            </a:endParaRPr>
           </a:p>
           <a:p>
             <a:pPr>
@@ -6323,7 +5829,15 @@
             </a:pPr>
             <a:r>
               <a:rPr lang="en-US" altLang="zh-CN" sz="1882" dirty="0" smtClean="0"/>
-              <a:t> include</a:t>
+              <a:t> </a:t>
+            </a:r>
+            <a:r>
+              <a:rPr lang="en-US" altLang="zh-CN" sz="1882" dirty="0" smtClean="0">
+                <a:solidFill>
+                  <a:srgbClr val="FF0000"/>
+                </a:solidFill>
+              </a:rPr>
+              <a:t>include</a:t>
             </a:r>
           </a:p>
           <a:p>
@@ -6364,18 +5878,34 @@
               <a:t> </a:t>
             </a:r>
             <a:r>
-              <a:rPr lang="en-US" altLang="zh-CN" sz="1882" dirty="0" err="1" smtClean="0"/>
+              <a:rPr lang="en-US" altLang="zh-CN" sz="1882" dirty="0" err="1" smtClean="0">
+                <a:solidFill>
+                  <a:srgbClr val="FF0000"/>
+                </a:solidFill>
+              </a:rPr>
               <a:t>ldelim</a:t>
             </a:r>
             <a:r>
-              <a:rPr lang="en-US" altLang="zh-CN" sz="1882" dirty="0" smtClean="0"/>
+              <a:rPr lang="en-US" altLang="zh-CN" sz="1882" dirty="0" smtClean="0">
+                <a:solidFill>
+                  <a:srgbClr val="FF0000"/>
+                </a:solidFill>
+              </a:rPr>
               <a:t>, </a:t>
             </a:r>
             <a:r>
-              <a:rPr lang="en-US" altLang="zh-CN" sz="1882" dirty="0" err="1" smtClean="0"/>
+              <a:rPr lang="en-US" altLang="zh-CN" sz="1882" dirty="0" err="1" smtClean="0">
+                <a:solidFill>
+                  <a:srgbClr val="FF0000"/>
+                </a:solidFill>
+              </a:rPr>
               <a:t>rdelim</a:t>
             </a:r>
-            <a:endParaRPr lang="en-US" altLang="zh-CN" sz="1882" dirty="0" smtClean="0"/>
+            <a:endParaRPr lang="en-US" altLang="zh-CN" sz="1882" dirty="0" smtClean="0">
+              <a:solidFill>
+                <a:srgbClr val="FF0000"/>
+              </a:solidFill>
+            </a:endParaRPr>
           </a:p>
           <a:p>
             <a:pPr>
@@ -6385,7 +5915,15 @@
             </a:pPr>
             <a:r>
               <a:rPr lang="en-US" altLang="zh-CN" sz="1882" dirty="0" smtClean="0"/>
-              <a:t> literal</a:t>
+              <a:t> </a:t>
+            </a:r>
+            <a:r>
+              <a:rPr lang="en-US" altLang="zh-CN" sz="1882" dirty="0" smtClean="0">
+                <a:solidFill>
+                  <a:srgbClr val="FF0000"/>
+                </a:solidFill>
+              </a:rPr>
+              <a:t>literal</a:t>
             </a:r>
           </a:p>
           <a:p>
@@ -6412,24 +5950,29 @@
             </a:pPr>
             <a:r>
               <a:rPr lang="en-US" altLang="zh-CN" sz="1882" dirty="0" smtClean="0"/>
-              <a:t> section</a:t>
-            </a:r>
-          </a:p>
-          <a:p>
-            <a:pPr>
-              <a:spcAft>
-                <a:spcPts val="600"/>
-              </a:spcAft>
-            </a:pPr>
-            <a:r>
-              <a:rPr lang="en-US" altLang="zh-CN" sz="1882" dirty="0" smtClean="0"/>
               <a:t> </a:t>
             </a:r>
             <a:r>
-              <a:rPr lang="en-US" altLang="zh-CN" sz="1882" dirty="0" err="1" smtClean="0"/>
+              <a:rPr lang="en-US" altLang="zh-CN" sz="1882" dirty="0" smtClean="0">
+                <a:solidFill>
+                  <a:srgbClr val="FF0000"/>
+                </a:solidFill>
+              </a:rPr>
+              <a:t>section, </a:t>
+            </a:r>
+            <a:r>
+              <a:rPr lang="en-US" altLang="zh-CN" sz="1882" dirty="0" err="1" smtClean="0">
+                <a:solidFill>
+                  <a:srgbClr val="FF0000"/>
+                </a:solidFill>
+              </a:rPr>
               <a:t>sectionelse</a:t>
             </a:r>
-            <a:endParaRPr lang="en-US" altLang="zh-CN" sz="1882" dirty="0" smtClean="0"/>
+            <a:endParaRPr lang="en-US" altLang="zh-CN" sz="1882" dirty="0" smtClean="0">
+              <a:solidFill>
+                <a:srgbClr val="FF0000"/>
+              </a:solidFill>
+            </a:endParaRPr>
           </a:p>
           <a:p>
             <a:pPr>
@@ -6514,6 +6057,656 @@
       </p:grpSpPr>
       <p:sp>
         <p:nvSpPr>
+          <p:cNvPr id="2" name="标题 1"/>
+          <p:cNvSpPr>
+            <a:spLocks noGrp="1"/>
+          </p:cNvSpPr>
+          <p:nvPr>
+            <p:ph type="title"/>
+          </p:nvPr>
+        </p:nvSpPr>
+        <p:spPr/>
+        <p:txBody>
+          <a:bodyPr/>
+          <a:lstStyle/>
+          <a:p>
+            <a:r>
+              <a:rPr lang="en-US" altLang="zh-CN" dirty="0" smtClean="0"/>
+              <a:t>Built-in Functions (</a:t>
+            </a:r>
+            <a:r>
+              <a:rPr lang="en-US" altLang="zh-CN" dirty="0" smtClean="0"/>
+              <a:t>内建函数2)</a:t>
+            </a:r>
+            <a:endParaRPr lang="zh-CN" altLang="en-US" dirty="0"/>
+          </a:p>
+        </p:txBody>
+      </p:sp>
+      <p:sp>
+        <p:nvSpPr>
+          <p:cNvPr id="3" name="内容占位符 2"/>
+          <p:cNvSpPr>
+            <a:spLocks noGrp="1"/>
+          </p:cNvSpPr>
+          <p:nvPr>
+            <p:ph idx="1"/>
+          </p:nvPr>
+        </p:nvSpPr>
+        <p:spPr/>
+        <p:txBody>
+          <a:bodyPr/>
+          <a:lstStyle/>
+          <a:p>
+            <a:r>
+              <a:rPr lang="en-US" altLang="zh-CN" b="1" dirty="0" err="1" smtClean="0"/>
+              <a:t>foreach</a:t>
+            </a:r>
+            <a:r>
+              <a:rPr lang="en-US" altLang="zh-CN" b="1" dirty="0" smtClean="0"/>
+              <a:t>, </a:t>
+            </a:r>
+            <a:r>
+              <a:rPr lang="en-US" altLang="zh-CN" b="1" dirty="0" err="1" smtClean="0"/>
+              <a:t>foreachelse</a:t>
+            </a:r>
+            <a:endParaRPr lang="en-US" altLang="zh-CN" b="1" dirty="0" smtClean="0"/>
+          </a:p>
+          <a:p>
+            <a:pPr lvl="1"/>
+            <a:r>
+              <a:rPr lang="zh-CN" altLang="en-US" b="1" dirty="0" smtClean="0"/>
+              <a:t>只能</a:t>
+            </a:r>
+            <a:r>
+              <a:rPr lang="zh-CN" altLang="en-US" b="1" smtClean="0"/>
+              <a:t>处理简</a:t>
+            </a:r>
+            <a:r>
+              <a:rPr lang="zh-CN" altLang="en-US" b="1" dirty="0" smtClean="0"/>
+              <a:t>单数组</a:t>
+            </a:r>
+            <a:endParaRPr lang="en-US" altLang="zh-CN" b="1" dirty="0" smtClean="0"/>
+          </a:p>
+          <a:p>
+            <a:pPr lvl="1"/>
+            <a:r>
+              <a:rPr lang="en-US" altLang="zh-CN" b="1" dirty="0" err="1" smtClean="0"/>
+              <a:t>f</a:t>
+            </a:r>
+            <a:r>
+              <a:rPr lang="en-US" altLang="zh-CN" b="1" dirty="0" err="1" smtClean="0"/>
+              <a:t>oreach</a:t>
+            </a:r>
+            <a:r>
+              <a:rPr lang="zh-CN" altLang="en-US" b="1" dirty="0" smtClean="0"/>
+              <a:t>必须和</a:t>
+            </a:r>
+            <a:r>
+              <a:rPr lang="en-US" altLang="zh-CN" b="1" dirty="0" smtClean="0"/>
+              <a:t>/</a:t>
+            </a:r>
+            <a:r>
+              <a:rPr lang="en-US" altLang="zh-CN" b="1" dirty="0" err="1" smtClean="0"/>
+              <a:t>foreach</a:t>
+            </a:r>
+            <a:r>
+              <a:rPr lang="zh-CN" altLang="en-US" b="1" dirty="0" smtClean="0"/>
+              <a:t>成对使用，且必须指定</a:t>
+            </a:r>
+            <a:r>
+              <a:rPr lang="en-US" altLang="zh-CN" b="1" dirty="0" smtClean="0"/>
+              <a:t>from</a:t>
+            </a:r>
+            <a:r>
+              <a:rPr lang="zh-CN" altLang="en-US" b="1" dirty="0" smtClean="0"/>
+              <a:t>和</a:t>
+            </a:r>
+            <a:r>
+              <a:rPr lang="en-US" altLang="zh-CN" b="1" dirty="0" smtClean="0"/>
+              <a:t>item</a:t>
+            </a:r>
+            <a:r>
+              <a:rPr lang="zh-CN" altLang="en-US" b="1" dirty="0" smtClean="0"/>
+              <a:t>属性</a:t>
+            </a:r>
+            <a:endParaRPr lang="en-US" altLang="zh-CN" b="1" dirty="0" smtClean="0"/>
+          </a:p>
+          <a:p>
+            <a:pPr lvl="1"/>
+            <a:r>
+              <a:rPr lang="en-US" altLang="zh-CN" dirty="0" err="1" smtClean="0"/>
+              <a:t>fo</a:t>
+            </a:r>
+            <a:r>
+              <a:rPr lang="en-US" altLang="zh-CN" dirty="0" err="1" smtClean="0"/>
+              <a:t>reach</a:t>
+            </a:r>
+            <a:r>
+              <a:rPr lang="zh-CN" altLang="en-US" dirty="0" smtClean="0"/>
+              <a:t>可以嵌套使用</a:t>
+            </a:r>
+            <a:endParaRPr lang="en-US" altLang="zh-CN" dirty="0" smtClean="0"/>
+          </a:p>
+          <a:p>
+            <a:pPr lvl="1"/>
+            <a:r>
+              <a:rPr lang="en-US" altLang="zh-CN" dirty="0" err="1" smtClean="0"/>
+              <a:t>Foreach</a:t>
+            </a:r>
+            <a:r>
+              <a:rPr lang="zh-CN" altLang="en-US" dirty="0" smtClean="0"/>
+              <a:t>循环有自己的变量名，利用该变量名可以访问该循环</a:t>
+            </a:r>
+            <a:endParaRPr lang="en-US" altLang="zh-CN" dirty="0" smtClean="0"/>
+          </a:p>
+          <a:p>
+            <a:pPr lvl="1"/>
+            <a:r>
+              <a:rPr lang="en-US" altLang="zh-CN" dirty="0" err="1" smtClean="0"/>
+              <a:t>f</a:t>
+            </a:r>
+            <a:r>
+              <a:rPr lang="en-US" altLang="zh-CN" dirty="0" err="1" smtClean="0"/>
+              <a:t>oreachelse</a:t>
+            </a:r>
+            <a:r>
+              <a:rPr lang="zh-CN" altLang="en-US" dirty="0" smtClean="0"/>
+              <a:t>语句在</a:t>
+            </a:r>
+            <a:r>
+              <a:rPr lang="en-US" altLang="zh-CN" dirty="0" smtClean="0"/>
+              <a:t>from</a:t>
+            </a:r>
+            <a:r>
+              <a:rPr lang="zh-CN" altLang="en-US" dirty="0" smtClean="0"/>
+              <a:t>属性没有值的时候被执行</a:t>
+            </a:r>
+            <a:endParaRPr lang="en-US" altLang="zh-CN" dirty="0" smtClean="0"/>
+          </a:p>
+          <a:p>
+            <a:pPr lvl="1"/>
+            <a:endParaRPr lang="zh-CN" altLang="en-US" dirty="0"/>
+          </a:p>
+        </p:txBody>
+      </p:sp>
+    </p:spTree>
+  </p:cSld>
+  <p:clrMapOvr>
+    <a:masterClrMapping/>
+  </p:clrMapOvr>
+</p:sld>
+</file>
+
+<file path=ppt/slides/slide19.xml><?xml version="1.0" encoding="utf-8"?>
+<p:sld xmlns:a="http://schemas.openxmlformats.org/drawingml/2006/main" xmlns:r="http://schemas.openxmlformats.org/officeDocument/2006/relationships" xmlns:p="http://schemas.openxmlformats.org/presentationml/2006/main">
+  <p:cSld>
+    <p:spTree>
+      <p:nvGrpSpPr>
+        <p:cNvPr id="1" name=""/>
+        <p:cNvGrpSpPr/>
+        <p:nvPr/>
+      </p:nvGrpSpPr>
+      <p:grpSpPr>
+        <a:xfrm>
+          <a:off x="0" y="0"/>
+          <a:ext cx="0" cy="0"/>
+          <a:chOff x="0" y="0"/>
+          <a:chExt cx="0" cy="0"/>
+        </a:xfrm>
+      </p:grpSpPr>
+      <p:sp>
+        <p:nvSpPr>
+          <p:cNvPr id="2" name="标题 1"/>
+          <p:cNvSpPr>
+            <a:spLocks noGrp="1"/>
+          </p:cNvSpPr>
+          <p:nvPr>
+            <p:ph type="title"/>
+          </p:nvPr>
+        </p:nvSpPr>
+        <p:spPr/>
+        <p:txBody>
+          <a:bodyPr/>
+          <a:lstStyle/>
+          <a:p>
+            <a:r>
+              <a:rPr lang="en-US" altLang="zh-CN" dirty="0" smtClean="0"/>
+              <a:t>Built-in Functions (</a:t>
+            </a:r>
+            <a:r>
+              <a:rPr lang="en-US" altLang="zh-CN" dirty="0" smtClean="0"/>
+              <a:t>内建函数3)</a:t>
+            </a:r>
+            <a:endParaRPr lang="zh-CN" altLang="en-US" dirty="0"/>
+          </a:p>
+        </p:txBody>
+      </p:sp>
+      <p:sp>
+        <p:nvSpPr>
+          <p:cNvPr id="3" name="内容占位符 2"/>
+          <p:cNvSpPr>
+            <a:spLocks noGrp="1"/>
+          </p:cNvSpPr>
+          <p:nvPr>
+            <p:ph idx="1"/>
+          </p:nvPr>
+        </p:nvSpPr>
+        <p:spPr/>
+        <p:txBody>
+          <a:bodyPr/>
+          <a:lstStyle/>
+          <a:p>
+            <a:r>
+              <a:rPr lang="en-US" altLang="zh-CN" dirty="0" smtClean="0"/>
+              <a:t>section, </a:t>
+            </a:r>
+            <a:r>
+              <a:rPr lang="en-US" altLang="zh-CN" dirty="0" err="1" smtClean="0"/>
+              <a:t>sectionelse</a:t>
+            </a:r>
+            <a:endParaRPr lang="en-US" altLang="zh-CN" dirty="0" smtClean="0"/>
+          </a:p>
+          <a:p>
+            <a:pPr lvl="1"/>
+            <a:r>
+              <a:rPr lang="zh-CN" altLang="en-US" dirty="0" smtClean="0"/>
+              <a:t>功</a:t>
+            </a:r>
+            <a:r>
+              <a:rPr lang="zh-CN" altLang="en-US" dirty="0" smtClean="0"/>
+              <a:t>能比</a:t>
+            </a:r>
+            <a:r>
+              <a:rPr lang="en-US" altLang="zh-CN" dirty="0" err="1" smtClean="0"/>
+              <a:t>foreach</a:t>
+            </a:r>
+            <a:r>
+              <a:rPr lang="zh-CN" altLang="en-US" dirty="0" smtClean="0"/>
+              <a:t>更强大，使用更广泛</a:t>
+            </a:r>
+            <a:endParaRPr lang="en-US" altLang="zh-CN" dirty="0" smtClean="0"/>
+          </a:p>
+          <a:p>
+            <a:pPr lvl="1"/>
+            <a:r>
+              <a:rPr lang="en-US" altLang="zh-CN" dirty="0" smtClean="0"/>
+              <a:t>section</a:t>
+            </a:r>
+            <a:r>
+              <a:rPr lang="zh-CN" altLang="en-US" b="1" dirty="0" smtClean="0"/>
+              <a:t>必</a:t>
+            </a:r>
+            <a:r>
+              <a:rPr lang="zh-CN" altLang="en-US" b="1" dirty="0" smtClean="0"/>
+              <a:t>须和</a:t>
+            </a:r>
+            <a:r>
+              <a:rPr lang="en-US" altLang="zh-CN" b="1" dirty="0" smtClean="0"/>
+              <a:t>/</a:t>
+            </a:r>
+            <a:r>
+              <a:rPr lang="en-US" altLang="zh-CN" dirty="0" smtClean="0"/>
+              <a:t> section</a:t>
+            </a:r>
+            <a:r>
+              <a:rPr lang="zh-CN" altLang="en-US" b="1" dirty="0" smtClean="0"/>
+              <a:t>成</a:t>
+            </a:r>
+            <a:r>
+              <a:rPr lang="zh-CN" altLang="en-US" b="1" dirty="0" smtClean="0"/>
+              <a:t>对使用，且必须指</a:t>
+            </a:r>
+            <a:r>
+              <a:rPr lang="zh-CN" altLang="en-US" b="1" dirty="0" smtClean="0"/>
+              <a:t>定</a:t>
+            </a:r>
+            <a:r>
+              <a:rPr lang="en-US" altLang="zh-CN" b="1" dirty="0" smtClean="0"/>
+              <a:t>name</a:t>
+            </a:r>
+            <a:r>
+              <a:rPr lang="zh-CN" altLang="en-US" b="1" dirty="0" smtClean="0"/>
+              <a:t>和</a:t>
+            </a:r>
+            <a:r>
+              <a:rPr lang="en-US" altLang="zh-CN" b="1" dirty="0" smtClean="0"/>
+              <a:t>loop</a:t>
+            </a:r>
+            <a:r>
+              <a:rPr lang="zh-CN" altLang="en-US" b="1" dirty="0" smtClean="0"/>
+              <a:t>属</a:t>
+            </a:r>
+            <a:r>
+              <a:rPr lang="zh-CN" altLang="en-US" b="1" dirty="0" smtClean="0"/>
+              <a:t>性</a:t>
+            </a:r>
+            <a:endParaRPr lang="en-US" altLang="zh-CN" b="1" dirty="0" smtClean="0"/>
+          </a:p>
+          <a:p>
+            <a:pPr lvl="1"/>
+            <a:endParaRPr lang="en-US" altLang="zh-CN" dirty="0" smtClean="0"/>
+          </a:p>
+          <a:p>
+            <a:pPr lvl="1"/>
+            <a:endParaRPr lang="en-US" altLang="zh-CN" dirty="0" smtClean="0"/>
+          </a:p>
+          <a:p>
+            <a:pPr lvl="1"/>
+            <a:endParaRPr lang="zh-CN" altLang="en-US" dirty="0"/>
+          </a:p>
+        </p:txBody>
+      </p:sp>
+    </p:spTree>
+  </p:cSld>
+  <p:clrMapOvr>
+    <a:masterClrMapping/>
+  </p:clrMapOvr>
+</p:sld>
+</file>
+
+<file path=ppt/slides/slide2.xml><?xml version="1.0" encoding="utf-8"?>
+<p:sld xmlns:a="http://schemas.openxmlformats.org/drawingml/2006/main" xmlns:r="http://schemas.openxmlformats.org/officeDocument/2006/relationships" xmlns:p="http://schemas.openxmlformats.org/presentationml/2006/main">
+  <p:cSld>
+    <p:spTree>
+      <p:nvGrpSpPr>
+        <p:cNvPr id="1" name=""/>
+        <p:cNvGrpSpPr/>
+        <p:nvPr/>
+      </p:nvGrpSpPr>
+      <p:grpSpPr>
+        <a:xfrm>
+          <a:off x="0" y="0"/>
+          <a:ext cx="0" cy="0"/>
+          <a:chOff x="0" y="0"/>
+          <a:chExt cx="0" cy="0"/>
+        </a:xfrm>
+      </p:grpSpPr>
+      <p:sp>
+        <p:nvSpPr>
+          <p:cNvPr id="2" name="Title 1"/>
+          <p:cNvSpPr>
+            <a:spLocks noGrp="1"/>
+          </p:cNvSpPr>
+          <p:nvPr>
+            <p:ph type="title"/>
+          </p:nvPr>
+        </p:nvSpPr>
+        <p:spPr/>
+        <p:txBody>
+          <a:bodyPr/>
+          <a:lstStyle/>
+          <a:p>
+            <a:r>
+              <a:rPr lang="en-US" dirty="0" smtClean="0"/>
+              <a:t>Smarty F</a:t>
+            </a:r>
+            <a:r>
+              <a:rPr lang="en-US" altLang="zh-CN" dirty="0" smtClean="0"/>
+              <a:t>or Template Designers</a:t>
+            </a:r>
+            <a:endParaRPr lang="en-US" dirty="0"/>
+          </a:p>
+        </p:txBody>
+      </p:sp>
+      <p:sp>
+        <p:nvSpPr>
+          <p:cNvPr id="3" name="Content Placeholder 2"/>
+          <p:cNvSpPr>
+            <a:spLocks noGrp="1"/>
+          </p:cNvSpPr>
+          <p:nvPr>
+            <p:ph idx="1"/>
+          </p:nvPr>
+        </p:nvSpPr>
+        <p:spPr>
+          <a:xfrm>
+            <a:off x="457200" y="1600200"/>
+            <a:ext cx="8229600" cy="4963455"/>
+          </a:xfrm>
+        </p:spPr>
+        <p:txBody>
+          <a:bodyPr>
+            <a:normAutofit/>
+          </a:bodyPr>
+          <a:lstStyle/>
+          <a:p>
+            <a:r>
+              <a:rPr lang="en-US" altLang="zh-CN" dirty="0" smtClean="0">
+                <a:cs typeface=""/>
+              </a:rPr>
+              <a:t>Basic Syntax(</a:t>
+            </a:r>
+            <a:r>
+              <a:rPr lang="zh-CN" altLang="en-US" dirty="0" smtClean="0">
+                <a:cs typeface=""/>
+              </a:rPr>
+              <a:t>基本语法</a:t>
+            </a:r>
+            <a:r>
+              <a:rPr lang="en-US" altLang="zh-CN" dirty="0" smtClean="0">
+                <a:cs typeface=""/>
+              </a:rPr>
+              <a:t>)</a:t>
+            </a:r>
+          </a:p>
+          <a:p>
+            <a:r>
+              <a:rPr lang="en-US" altLang="zh-CN" dirty="0" smtClean="0">
+                <a:cs typeface=""/>
+              </a:rPr>
+              <a:t>Variables(</a:t>
+            </a:r>
+            <a:r>
+              <a:rPr lang="zh-CN" altLang="en-US" dirty="0" smtClean="0">
+                <a:cs typeface=""/>
+              </a:rPr>
+              <a:t>变量</a:t>
+            </a:r>
+            <a:r>
+              <a:rPr lang="en-US" altLang="zh-CN" dirty="0" smtClean="0">
+                <a:cs typeface=""/>
+              </a:rPr>
+              <a:t>)</a:t>
+            </a:r>
+          </a:p>
+          <a:p>
+            <a:r>
+              <a:rPr lang="en-US" dirty="0" smtClean="0">
+                <a:cs typeface=""/>
+              </a:rPr>
+              <a:t>V</a:t>
+            </a:r>
+            <a:r>
+              <a:rPr lang="en-US" altLang="zh-CN" dirty="0" smtClean="0">
+                <a:cs typeface=""/>
+              </a:rPr>
+              <a:t>ariable Modifiers(</a:t>
+            </a:r>
+            <a:r>
+              <a:rPr lang="zh-CN" altLang="en-US" dirty="0" smtClean="0">
+                <a:cs typeface=""/>
+              </a:rPr>
+              <a:t>变量调节器</a:t>
+            </a:r>
+            <a:r>
+              <a:rPr lang="en-US" altLang="zh-CN" dirty="0" smtClean="0">
+                <a:cs typeface=""/>
+              </a:rPr>
+              <a:t>)</a:t>
+            </a:r>
+          </a:p>
+          <a:p>
+            <a:r>
+              <a:rPr lang="en-US" dirty="0" smtClean="0">
+                <a:cs typeface=""/>
+              </a:rPr>
+              <a:t>C</a:t>
+            </a:r>
+            <a:r>
+              <a:rPr lang="en-US" altLang="zh-CN" dirty="0" smtClean="0">
+                <a:cs typeface=""/>
+              </a:rPr>
+              <a:t>ombining Modifiers(</a:t>
+            </a:r>
+            <a:r>
+              <a:rPr lang="zh-CN" altLang="en-US" dirty="0" smtClean="0">
+                <a:cs typeface=""/>
+              </a:rPr>
+              <a:t>组合使用变量调节器</a:t>
+            </a:r>
+            <a:r>
+              <a:rPr lang="en-US" altLang="zh-CN" dirty="0" smtClean="0">
+                <a:cs typeface=""/>
+              </a:rPr>
+              <a:t>)</a:t>
+            </a:r>
+          </a:p>
+          <a:p>
+            <a:r>
+              <a:rPr lang="en-US" dirty="0" smtClean="0">
+                <a:cs typeface=""/>
+              </a:rPr>
+              <a:t>B</a:t>
+            </a:r>
+            <a:r>
+              <a:rPr lang="en-US" altLang="zh-CN" dirty="0" smtClean="0">
+                <a:cs typeface=""/>
+              </a:rPr>
+              <a:t>uilt-in Functions(</a:t>
+            </a:r>
+            <a:r>
+              <a:rPr lang="zh-CN" altLang="en-US" dirty="0" smtClean="0">
+                <a:cs typeface=""/>
+              </a:rPr>
+              <a:t>内建函数</a:t>
+            </a:r>
+            <a:r>
+              <a:rPr lang="en-US" altLang="zh-CN" dirty="0" smtClean="0">
+                <a:cs typeface=""/>
+              </a:rPr>
+              <a:t>)</a:t>
+            </a:r>
+          </a:p>
+          <a:p>
+            <a:r>
+              <a:rPr lang="en-US" altLang="zh-CN" dirty="0" smtClean="0">
+                <a:cs typeface=""/>
+              </a:rPr>
+              <a:t>Custom Functions(</a:t>
+            </a:r>
+            <a:r>
+              <a:rPr lang="zh-CN" altLang="en-US" dirty="0" smtClean="0">
+                <a:cs typeface=""/>
+              </a:rPr>
+              <a:t>自定义函数</a:t>
+            </a:r>
+            <a:r>
+              <a:rPr lang="en-US" altLang="zh-CN" dirty="0" smtClean="0">
+                <a:cs typeface=""/>
+              </a:rPr>
+              <a:t>)</a:t>
+            </a:r>
+          </a:p>
+          <a:p>
+            <a:r>
+              <a:rPr lang="en-US" dirty="0" err="1" smtClean="0">
+                <a:cs typeface=""/>
+              </a:rPr>
+              <a:t>C</a:t>
+            </a:r>
+            <a:r>
+              <a:rPr lang="en-US" altLang="zh-CN" dirty="0" err="1" smtClean="0">
+                <a:cs typeface=""/>
+              </a:rPr>
+              <a:t>onfig</a:t>
+            </a:r>
+            <a:r>
+              <a:rPr lang="en-US" altLang="zh-CN" dirty="0" smtClean="0">
+                <a:cs typeface=""/>
+              </a:rPr>
+              <a:t> Files(</a:t>
+            </a:r>
+            <a:r>
+              <a:rPr lang="zh-CN" altLang="en-US" dirty="0" smtClean="0">
+                <a:cs typeface=""/>
+              </a:rPr>
+              <a:t>配置文件</a:t>
+            </a:r>
+            <a:r>
+              <a:rPr lang="en-US" altLang="zh-CN" dirty="0" smtClean="0">
+                <a:cs typeface=""/>
+              </a:rPr>
+              <a:t>)</a:t>
+            </a:r>
+            <a:endParaRPr lang="en-US" dirty="0" smtClean="0">
+              <a:cs typeface=""/>
+            </a:endParaRPr>
+          </a:p>
+          <a:p>
+            <a:r>
+              <a:rPr lang="en-US" dirty="0" smtClean="0">
+                <a:cs typeface=""/>
+              </a:rPr>
+              <a:t>D</a:t>
+            </a:r>
+            <a:r>
+              <a:rPr lang="en-US" altLang="zh-CN" dirty="0" smtClean="0">
+                <a:cs typeface=""/>
+              </a:rPr>
+              <a:t>ebugging Console(</a:t>
+            </a:r>
+            <a:r>
+              <a:rPr lang="zh-CN" altLang="en-US" dirty="0" smtClean="0">
+                <a:cs typeface=""/>
+              </a:rPr>
+              <a:t>调试控制台</a:t>
+            </a:r>
+            <a:r>
+              <a:rPr lang="en-US" altLang="zh-CN" dirty="0" smtClean="0">
+                <a:cs typeface=""/>
+              </a:rPr>
+              <a:t>)</a:t>
+            </a:r>
+            <a:endParaRPr lang="en-US" dirty="0">
+              <a:cs typeface=""/>
+            </a:endParaRPr>
+          </a:p>
+        </p:txBody>
+      </p:sp>
+    </p:spTree>
+  </p:cSld>
+  <p:clrMapOvr>
+    <a:masterClrMapping/>
+  </p:clrMapOvr>
+  <p:timing>
+    <p:tnLst>
+      <p:par>
+        <p:cTn id="1" dur="indefinite" restart="never" nodeType="tmRoot"/>
+      </p:par>
+    </p:tnLst>
+  </p:timing>
+</p:sld>
+</file>
+
+<file path=ppt/slides/slide20.xml><?xml version="1.0" encoding="utf-8"?>
+<p:sld xmlns:a="http://schemas.openxmlformats.org/drawingml/2006/main" xmlns:r="http://schemas.openxmlformats.org/officeDocument/2006/relationships" xmlns:p="http://schemas.openxmlformats.org/presentationml/2006/main">
+  <p:cSld>
+    <p:spTree>
+      <p:nvGrpSpPr>
+        <p:cNvPr id="1" name=""/>
+        <p:cNvGrpSpPr/>
+        <p:nvPr/>
+      </p:nvGrpSpPr>
+      <p:grpSpPr>
+        <a:xfrm>
+          <a:off x="0" y="0"/>
+          <a:ext cx="0" cy="0"/>
+          <a:chOff x="0" y="0"/>
+          <a:chExt cx="0" cy="0"/>
+        </a:xfrm>
+      </p:grpSpPr>
+      <p:sp>
+        <p:nvSpPr>
           <p:cNvPr id="2" name="Title 1"/>
           <p:cNvSpPr>
             <a:spLocks noGrp="1"/>
@@ -6971,7 +7164,7 @@
 </p:sld>
 </file>
 
-<file path=ppt/slides/slide19.xml><?xml version="1.0" encoding="utf-8"?>
+<file path=ppt/slides/slide21.xml><?xml version="1.0" encoding="utf-8"?>
 <p:sld xmlns:a="http://schemas.openxmlformats.org/drawingml/2006/main" xmlns:r="http://schemas.openxmlformats.org/officeDocument/2006/relationships" xmlns:p="http://schemas.openxmlformats.org/presentationml/2006/main">
   <p:cSld>
     <p:spTree>
@@ -7127,291 +7320,7 @@
 </p:sld>
 </file>
 
-<file path=ppt/slides/slide2.xml><?xml version="1.0" encoding="utf-8"?>
-<p:sld xmlns:a="http://schemas.openxmlformats.org/drawingml/2006/main" xmlns:r="http://schemas.openxmlformats.org/officeDocument/2006/relationships" xmlns:p="http://schemas.openxmlformats.org/presentationml/2006/main">
-  <p:cSld>
-    <p:spTree>
-      <p:nvGrpSpPr>
-        <p:cNvPr id="1" name=""/>
-        <p:cNvGrpSpPr/>
-        <p:nvPr/>
-      </p:nvGrpSpPr>
-      <p:grpSpPr>
-        <a:xfrm>
-          <a:off x="0" y="0"/>
-          <a:ext cx="0" cy="0"/>
-          <a:chOff x="0" y="0"/>
-          <a:chExt cx="0" cy="0"/>
-        </a:xfrm>
-      </p:grpSpPr>
-      <p:sp>
-        <p:nvSpPr>
-          <p:cNvPr id="2" name="Title 1"/>
-          <p:cNvSpPr>
-            <a:spLocks noGrp="1"/>
-          </p:cNvSpPr>
-          <p:nvPr>
-            <p:ph type="title"/>
-          </p:nvPr>
-        </p:nvSpPr>
-        <p:spPr/>
-        <p:txBody>
-          <a:bodyPr/>
-          <a:lstStyle/>
-          <a:p>
-            <a:r>
-              <a:rPr lang="en-US" dirty="0" smtClean="0"/>
-              <a:t>Smarty F</a:t>
-            </a:r>
-            <a:r>
-              <a:rPr lang="en-US" altLang="zh-CN" dirty="0" smtClean="0"/>
-              <a:t>or Template Designers</a:t>
-            </a:r>
-            <a:endParaRPr lang="en-US" dirty="0"/>
-          </a:p>
-        </p:txBody>
-      </p:sp>
-      <p:sp>
-        <p:nvSpPr>
-          <p:cNvPr id="3" name="Content Placeholder 2"/>
-          <p:cNvSpPr>
-            <a:spLocks noGrp="1"/>
-          </p:cNvSpPr>
-          <p:nvPr>
-            <p:ph idx="1"/>
-          </p:nvPr>
-        </p:nvSpPr>
-        <p:spPr>
-          <a:xfrm>
-            <a:off x="457200" y="1600200"/>
-            <a:ext cx="8229600" cy="4963455"/>
-          </a:xfrm>
-        </p:spPr>
-        <p:txBody>
-          <a:bodyPr>
-            <a:normAutofit/>
-          </a:bodyPr>
-          <a:lstStyle/>
-          <a:p>
-            <a:r>
-              <a:rPr lang="en-US" altLang="zh-CN" dirty="0" smtClean="0">
-                <a:cs typeface=""/>
-              </a:rPr>
-              <a:t>Basic Syntax(</a:t>
-            </a:r>
-            <a:r>
-              <a:rPr lang="zh-CN" altLang="en-US" dirty="0" smtClean="0">
-                <a:cs typeface=""/>
-              </a:rPr>
-              <a:t>基本语法</a:t>
-            </a:r>
-            <a:r>
-              <a:rPr lang="en-US" altLang="zh-CN" dirty="0" smtClean="0">
-                <a:cs typeface=""/>
-              </a:rPr>
-              <a:t>)</a:t>
-            </a:r>
-          </a:p>
-          <a:p>
-            <a:r>
-              <a:rPr lang="en-US" altLang="zh-CN" dirty="0" smtClean="0">
-                <a:cs typeface=""/>
-              </a:rPr>
-              <a:t>Variables(</a:t>
-            </a:r>
-            <a:r>
-              <a:rPr lang="zh-CN" altLang="en-US" dirty="0" smtClean="0">
-                <a:cs typeface=""/>
-              </a:rPr>
-              <a:t>变量</a:t>
-            </a:r>
-            <a:r>
-              <a:rPr lang="en-US" altLang="zh-CN" dirty="0" smtClean="0">
-                <a:cs typeface=""/>
-              </a:rPr>
-              <a:t>)</a:t>
-            </a:r>
-          </a:p>
-          <a:p>
-            <a:r>
-              <a:rPr lang="en-US" dirty="0" smtClean="0">
-                <a:cs typeface=""/>
-              </a:rPr>
-              <a:t>V</a:t>
-            </a:r>
-            <a:r>
-              <a:rPr lang="en-US" altLang="zh-CN" dirty="0" smtClean="0">
-                <a:cs typeface=""/>
-              </a:rPr>
-              <a:t>ariable Modifiers(</a:t>
-            </a:r>
-            <a:r>
-              <a:rPr lang="zh-CN" altLang="en-US" dirty="0" smtClean="0">
-                <a:cs typeface=""/>
-              </a:rPr>
-              <a:t>变量调节器</a:t>
-            </a:r>
-            <a:r>
-              <a:rPr lang="en-US" altLang="zh-CN" dirty="0" smtClean="0">
-                <a:cs typeface=""/>
-              </a:rPr>
-              <a:t>)</a:t>
-            </a:r>
-          </a:p>
-          <a:p>
-            <a:r>
-              <a:rPr lang="en-US" dirty="0" smtClean="0">
-                <a:cs typeface=""/>
-              </a:rPr>
-              <a:t>C</a:t>
-            </a:r>
-            <a:r>
-              <a:rPr lang="en-US" altLang="zh-CN" dirty="0" smtClean="0">
-                <a:cs typeface=""/>
-              </a:rPr>
-              <a:t>ombining Modifiers(</a:t>
-            </a:r>
-            <a:r>
-              <a:rPr lang="zh-CN" altLang="en-US" dirty="0" smtClean="0">
-                <a:cs typeface=""/>
-              </a:rPr>
-              <a:t>组合使用变量调节器</a:t>
-            </a:r>
-            <a:r>
-              <a:rPr lang="en-US" altLang="zh-CN" dirty="0" smtClean="0">
-                <a:cs typeface=""/>
-              </a:rPr>
-              <a:t>)</a:t>
-            </a:r>
-          </a:p>
-          <a:p>
-            <a:r>
-              <a:rPr lang="en-US" dirty="0" smtClean="0">
-                <a:cs typeface=""/>
-              </a:rPr>
-              <a:t>B</a:t>
-            </a:r>
-            <a:r>
-              <a:rPr lang="en-US" altLang="zh-CN" dirty="0" smtClean="0">
-                <a:cs typeface=""/>
-              </a:rPr>
-              <a:t>uilt-in Functions(</a:t>
-            </a:r>
-            <a:r>
-              <a:rPr lang="zh-CN" altLang="en-US" dirty="0" smtClean="0">
-                <a:cs typeface=""/>
-              </a:rPr>
-              <a:t>内建函数</a:t>
-            </a:r>
-            <a:r>
-              <a:rPr lang="en-US" altLang="zh-CN" dirty="0" smtClean="0">
-                <a:cs typeface=""/>
-              </a:rPr>
-              <a:t>)</a:t>
-            </a:r>
-          </a:p>
-          <a:p>
-            <a:r>
-              <a:rPr lang="en-US" altLang="zh-CN" dirty="0" smtClean="0">
-                <a:cs typeface=""/>
-              </a:rPr>
-              <a:t>Custom Functions(</a:t>
-            </a:r>
-            <a:r>
-              <a:rPr lang="zh-CN" altLang="en-US" dirty="0" smtClean="0">
-                <a:cs typeface=""/>
-              </a:rPr>
-              <a:t>自定义函数</a:t>
-            </a:r>
-            <a:r>
-              <a:rPr lang="en-US" altLang="zh-CN" dirty="0" smtClean="0">
-                <a:cs typeface=""/>
-              </a:rPr>
-              <a:t>)</a:t>
-            </a:r>
-          </a:p>
-          <a:p>
-            <a:r>
-              <a:rPr lang="en-US" dirty="0" err="1" smtClean="0">
-                <a:cs typeface=""/>
-              </a:rPr>
-              <a:t>C</a:t>
-            </a:r>
-            <a:r>
-              <a:rPr lang="en-US" altLang="zh-CN" dirty="0" err="1" smtClean="0">
-                <a:cs typeface=""/>
-              </a:rPr>
-              <a:t>onfig</a:t>
-            </a:r>
-            <a:r>
-              <a:rPr lang="en-US" altLang="zh-CN" dirty="0" smtClean="0">
-                <a:cs typeface=""/>
-              </a:rPr>
-              <a:t> Files(</a:t>
-            </a:r>
-            <a:r>
-              <a:rPr lang="zh-CN" altLang="en-US" dirty="0" smtClean="0">
-                <a:cs typeface=""/>
-              </a:rPr>
-              <a:t>配置文件</a:t>
-            </a:r>
-            <a:r>
-              <a:rPr lang="en-US" altLang="zh-CN" dirty="0" smtClean="0">
-                <a:cs typeface=""/>
-              </a:rPr>
-              <a:t>)</a:t>
-            </a:r>
-            <a:endParaRPr lang="en-US" dirty="0" smtClean="0">
-              <a:cs typeface=""/>
-            </a:endParaRPr>
-          </a:p>
-          <a:p>
-            <a:r>
-              <a:rPr lang="en-US" dirty="0" smtClean="0">
-                <a:cs typeface=""/>
-              </a:rPr>
-              <a:t>D</a:t>
-            </a:r>
-            <a:r>
-              <a:rPr lang="en-US" altLang="zh-CN" dirty="0" smtClean="0">
-                <a:cs typeface=""/>
-              </a:rPr>
-              <a:t>ebugging Console(</a:t>
-            </a:r>
-            <a:r>
-              <a:rPr lang="zh-CN" altLang="en-US" dirty="0" smtClean="0">
-                <a:cs typeface=""/>
-              </a:rPr>
-              <a:t>调试控制台</a:t>
-            </a:r>
-            <a:r>
-              <a:rPr lang="en-US" altLang="zh-CN" dirty="0" smtClean="0">
-                <a:cs typeface=""/>
-              </a:rPr>
-              <a:t>)</a:t>
-            </a:r>
-            <a:endParaRPr lang="en-US" dirty="0">
-              <a:cs typeface=""/>
-            </a:endParaRPr>
-          </a:p>
-        </p:txBody>
-      </p:sp>
-    </p:spTree>
-  </p:cSld>
-  <p:clrMapOvr>
-    <a:masterClrMapping/>
-  </p:clrMapOvr>
-  <p:timing>
-    <p:tnLst>
-      <p:par>
-        <p:cTn id="1" dur="indefinite" restart="never" nodeType="tmRoot"/>
-      </p:par>
-    </p:tnLst>
-  </p:timing>
-</p:sld>
-</file>
-
-<file path=ppt/slides/slide20.xml><?xml version="1.0" encoding="utf-8"?>
+<file path=ppt/slides/slide22.xml><?xml version="1.0" encoding="utf-8"?>
 <p:sld xmlns:a="http://schemas.openxmlformats.org/drawingml/2006/main" xmlns:r="http://schemas.openxmlformats.org/officeDocument/2006/relationships" xmlns:p="http://schemas.openxmlformats.org/presentationml/2006/main">
   <p:cSld>
     <p:spTree>

--- a/ppt/Smarty_2.pptx
+++ b/ppt/Smarty_2.pptx
@@ -5,7 +5,7 @@
     <p:sldMasterId id="2147483648" r:id="rId1"/>
   </p:sldMasterIdLst>
   <p:notesMasterIdLst>
-    <p:notesMasterId r:id="rId24"/>
+    <p:notesMasterId r:id="rId25"/>
   </p:notesMasterIdLst>
   <p:sldIdLst>
     <p:sldId id="256" r:id="rId2"/>
@@ -27,9 +27,10 @@
     <p:sldId id="276" r:id="rId18"/>
     <p:sldId id="283" r:id="rId19"/>
     <p:sldId id="284" r:id="rId20"/>
-    <p:sldId id="277" r:id="rId21"/>
-    <p:sldId id="278" r:id="rId22"/>
-    <p:sldId id="264" r:id="rId23"/>
+    <p:sldId id="285" r:id="rId21"/>
+    <p:sldId id="277" r:id="rId22"/>
+    <p:sldId id="278" r:id="rId23"/>
+    <p:sldId id="264" r:id="rId24"/>
   </p:sldIdLst>
   <p:sldSz cx="9144000" cy="6858000" type="screen4x3"/>
   <p:notesSz cx="6858000" cy="9144000"/>
@@ -6115,15 +6116,7 @@
             <a:pPr lvl="1"/>
             <a:r>
               <a:rPr lang="zh-CN" altLang="en-US" b="1" dirty="0" smtClean="0"/>
-              <a:t>只能</a:t>
-            </a:r>
-            <a:r>
-              <a:rPr lang="zh-CN" altLang="en-US" b="1" smtClean="0"/>
-              <a:t>处理简</a:t>
-            </a:r>
-            <a:r>
-              <a:rPr lang="zh-CN" altLang="en-US" b="1" dirty="0" smtClean="0"/>
-              <a:t>单数组</a:t>
+              <a:t>只能处理简单数组</a:t>
             </a:r>
             <a:endParaRPr lang="en-US" altLang="zh-CN" b="1" dirty="0" smtClean="0"/>
           </a:p>
@@ -6384,6 +6377,26 @@
           </a:p>
           <a:p>
             <a:pPr lvl="1"/>
+            <a:r>
+              <a:rPr lang="en-US" altLang="zh-CN" dirty="0" smtClean="0"/>
+              <a:t>l</a:t>
+            </a:r>
+            <a:r>
+              <a:rPr lang="en-US" altLang="zh-CN" dirty="0" smtClean="0"/>
+              <a:t>oop</a:t>
+            </a:r>
+            <a:r>
+              <a:rPr lang="zh-CN" altLang="en-US" dirty="0" smtClean="0"/>
+              <a:t>只是决定</a:t>
+            </a:r>
+            <a:r>
+              <a:rPr lang="en-US" altLang="zh-CN" dirty="0" smtClean="0"/>
+              <a:t>section</a:t>
+            </a:r>
+            <a:r>
+              <a:rPr lang="zh-CN" altLang="en-US" dirty="0" smtClean="0"/>
+              <a:t>循环的次数</a:t>
+            </a:r>
             <a:endParaRPr lang="en-US" altLang="zh-CN" dirty="0" smtClean="0"/>
           </a:p>
           <a:p>
@@ -6707,6 +6720,187 @@
       </p:grpSpPr>
       <p:sp>
         <p:nvSpPr>
+          <p:cNvPr id="2" name="标题 1"/>
+          <p:cNvSpPr>
+            <a:spLocks noGrp="1"/>
+          </p:cNvSpPr>
+          <p:nvPr>
+            <p:ph type="title"/>
+          </p:nvPr>
+        </p:nvSpPr>
+        <p:spPr/>
+        <p:txBody>
+          <a:bodyPr/>
+          <a:lstStyle/>
+          <a:p>
+            <a:r>
+              <a:rPr lang="zh-CN" altLang="en-US" dirty="0" smtClean="0"/>
+              <a:t>练习</a:t>
+            </a:r>
+            <a:endParaRPr lang="zh-CN" altLang="en-US" dirty="0"/>
+          </a:p>
+        </p:txBody>
+      </p:sp>
+      <p:sp>
+        <p:nvSpPr>
+          <p:cNvPr id="3" name="内容占位符 2"/>
+          <p:cNvSpPr>
+            <a:spLocks noGrp="1"/>
+          </p:cNvSpPr>
+          <p:nvPr>
+            <p:ph idx="1"/>
+          </p:nvPr>
+        </p:nvSpPr>
+        <p:spPr/>
+        <p:txBody>
+          <a:bodyPr/>
+          <a:lstStyle/>
+          <a:p>
+            <a:r>
+              <a:rPr lang="zh-CN" altLang="en-US" dirty="0" smtClean="0"/>
+              <a:t>课程表模板设计</a:t>
+            </a:r>
+            <a:endParaRPr lang="en-US" altLang="zh-CN" dirty="0" smtClean="0"/>
+          </a:p>
+          <a:p>
+            <a:pPr lvl="1"/>
+            <a:r>
+              <a:rPr lang="zh-CN" altLang="en-US" dirty="0" smtClean="0"/>
+              <a:t>项</a:t>
+            </a:r>
+            <a:r>
+              <a:rPr lang="zh-CN" altLang="en-US" dirty="0" smtClean="0"/>
+              <a:t>目位于</a:t>
+            </a:r>
+            <a:r>
+              <a:rPr lang="en-US" altLang="zh-CN" dirty="0" smtClean="0"/>
+              <a:t>demo2</a:t>
+            </a:r>
+            <a:r>
+              <a:rPr lang="zh-CN" altLang="en-US" dirty="0" smtClean="0"/>
+              <a:t>，</a:t>
+            </a:r>
+            <a:r>
+              <a:rPr lang="en-US" altLang="zh-CN" dirty="0" smtClean="0"/>
+              <a:t>PHP</a:t>
+            </a:r>
+            <a:r>
+              <a:rPr lang="zh-CN" altLang="en-US" dirty="0" smtClean="0"/>
+              <a:t>文件名为：</a:t>
+            </a:r>
+            <a:r>
+              <a:rPr lang="en-US" altLang="zh-CN" dirty="0" smtClean="0"/>
+              <a:t>class_test.php</a:t>
+            </a:r>
+          </a:p>
+          <a:p>
+            <a:pPr lvl="1"/>
+            <a:r>
+              <a:rPr lang="zh-CN" altLang="en-US" dirty="0" smtClean="0"/>
+              <a:t>模</a:t>
+            </a:r>
+            <a:r>
+              <a:rPr lang="zh-CN" altLang="en-US" dirty="0" smtClean="0"/>
+              <a:t>板位于</a:t>
+            </a:r>
+            <a:r>
+              <a:rPr lang="en-US" altLang="zh-CN" dirty="0" smtClean="0"/>
+              <a:t>templates</a:t>
+            </a:r>
+            <a:r>
+              <a:rPr lang="zh-CN" altLang="en-US" dirty="0" smtClean="0"/>
+              <a:t>下的</a:t>
+            </a:r>
+            <a:r>
+              <a:rPr lang="en-US" altLang="zh-CN" dirty="0" smtClean="0"/>
+              <a:t>class_test.tpl</a:t>
+            </a:r>
+          </a:p>
+          <a:p>
+            <a:pPr lvl="1"/>
+            <a:r>
+              <a:rPr lang="zh-CN" altLang="en-US" dirty="0" smtClean="0"/>
+              <a:t>要</a:t>
+            </a:r>
+            <a:r>
+              <a:rPr lang="zh-CN" altLang="en-US" dirty="0" smtClean="0"/>
+              <a:t>求：使用已学过的</a:t>
+            </a:r>
+            <a:r>
+              <a:rPr lang="en-US" altLang="zh-CN" dirty="0" smtClean="0"/>
+              <a:t>smarty</a:t>
+            </a:r>
+            <a:r>
+              <a:rPr lang="zh-CN" altLang="en-US" dirty="0" smtClean="0"/>
+              <a:t>函数，利用</a:t>
+            </a:r>
+            <a:r>
+              <a:rPr lang="en-US" altLang="zh-CN" dirty="0" smtClean="0"/>
+              <a:t>PHP</a:t>
+            </a:r>
+            <a:r>
+              <a:rPr lang="zh-CN" altLang="en-US" dirty="0" smtClean="0"/>
+              <a:t>中提供的数据源（数组），编写</a:t>
+            </a:r>
+            <a:r>
+              <a:rPr lang="en-US" altLang="zh-CN" dirty="0" smtClean="0"/>
+              <a:t>TPL</a:t>
+            </a:r>
+            <a:r>
+              <a:rPr lang="zh-CN" altLang="en-US" dirty="0" smtClean="0"/>
+              <a:t>文件，最终生成如下图所示的课程表</a:t>
+            </a:r>
+            <a:endParaRPr lang="en-US" altLang="zh-CN" dirty="0" smtClean="0"/>
+          </a:p>
+          <a:p>
+            <a:pPr lvl="1"/>
+            <a:r>
+              <a:rPr lang="zh-CN" altLang="en-US" dirty="0" smtClean="0"/>
+              <a:t>大</a:t>
+            </a:r>
+            <a:r>
+              <a:rPr lang="zh-CN" altLang="en-US" dirty="0" smtClean="0"/>
+              <a:t>家可以利用自己已学过的</a:t>
+            </a:r>
+            <a:r>
+              <a:rPr lang="en-US" altLang="zh-CN" dirty="0" smtClean="0"/>
+              <a:t>CSS</a:t>
+            </a:r>
+            <a:r>
+              <a:rPr lang="zh-CN" altLang="en-US" dirty="0" smtClean="0"/>
+              <a:t>知识来美化页面</a:t>
+            </a:r>
+            <a:endParaRPr lang="zh-CN" altLang="en-US" dirty="0"/>
+          </a:p>
+        </p:txBody>
+      </p:sp>
+    </p:spTree>
+  </p:cSld>
+  <p:clrMapOvr>
+    <a:masterClrMapping/>
+  </p:clrMapOvr>
+</p:sld>
+</file>
+
+<file path=ppt/slides/slide21.xml><?xml version="1.0" encoding="utf-8"?>
+<p:sld xmlns:a="http://schemas.openxmlformats.org/drawingml/2006/main" xmlns:r="http://schemas.openxmlformats.org/officeDocument/2006/relationships" xmlns:p="http://schemas.openxmlformats.org/presentationml/2006/main">
+  <p:cSld>
+    <p:spTree>
+      <p:nvGrpSpPr>
+        <p:cNvPr id="1" name=""/>
+        <p:cNvGrpSpPr/>
+        <p:nvPr/>
+      </p:nvGrpSpPr>
+      <p:grpSpPr>
+        <a:xfrm>
+          <a:off x="0" y="0"/>
+          <a:ext cx="0" cy="0"/>
+          <a:chOff x="0" y="0"/>
+          <a:chExt cx="0" cy="0"/>
+        </a:xfrm>
+      </p:grpSpPr>
+      <p:sp>
+        <p:nvSpPr>
           <p:cNvPr id="2" name="Title 1"/>
           <p:cNvSpPr>
             <a:spLocks noGrp="1"/>
@@ -7164,7 +7358,7 @@
 </p:sld>
 </file>
 
-<file path=ppt/slides/slide21.xml><?xml version="1.0" encoding="utf-8"?>
+<file path=ppt/slides/slide22.xml><?xml version="1.0" encoding="utf-8"?>
 <p:sld xmlns:a="http://schemas.openxmlformats.org/drawingml/2006/main" xmlns:r="http://schemas.openxmlformats.org/officeDocument/2006/relationships" xmlns:p="http://schemas.openxmlformats.org/presentationml/2006/main">
   <p:cSld>
     <p:spTree>
@@ -7320,7 +7514,7 @@
 </p:sld>
 </file>
 
-<file path=ppt/slides/slide22.xml><?xml version="1.0" encoding="utf-8"?>
+<file path=ppt/slides/slide23.xml><?xml version="1.0" encoding="utf-8"?>
 <p:sld xmlns:a="http://schemas.openxmlformats.org/drawingml/2006/main" xmlns:r="http://schemas.openxmlformats.org/officeDocument/2006/relationships" xmlns:p="http://schemas.openxmlformats.org/presentationml/2006/main">
   <p:cSld>
     <p:spTree>
